--- a/Práca/Budovanie slovníkov pomocou hier s účelom.pptx
+++ b/Práca/Budovanie slovníkov pomocou hier s účelom.pptx
@@ -4,12 +4,15 @@
   <p:sldMasterIdLst>
     <p:sldMasterId id="2147483803" r:id="rId1"/>
   </p:sldMasterIdLst>
+  <p:notesMasterIdLst>
+    <p:notesMasterId r:id="rId8"/>
+  </p:notesMasterIdLst>
   <p:sldIdLst>
     <p:sldId id="256" r:id="rId2"/>
     <p:sldId id="260" r:id="rId3"/>
     <p:sldId id="262" r:id="rId4"/>
-    <p:sldId id="258" r:id="rId5"/>
-    <p:sldId id="259" r:id="rId6"/>
+    <p:sldId id="263" r:id="rId5"/>
+    <p:sldId id="264" r:id="rId6"/>
     <p:sldId id="261" r:id="rId7"/>
   </p:sldIdLst>
   <p:sldSz cx="12192000" cy="6858000"/>
@@ -117,6 +120,721 @@
 </p:presentation>
 </file>
 
+<file path=ppt/notesMasters/notesMaster1.xml><?xml version="1.0" encoding="utf-8"?>
+<p:notesMaster xmlns:a="http://schemas.openxmlformats.org/drawingml/2006/main" xmlns:r="http://schemas.openxmlformats.org/officeDocument/2006/relationships" xmlns:p="http://schemas.openxmlformats.org/presentationml/2006/main">
+  <p:cSld>
+    <p:bg>
+      <p:bgRef idx="1001">
+        <a:schemeClr val="bg1"/>
+      </p:bgRef>
+    </p:bg>
+    <p:spTree>
+      <p:nvGrpSpPr>
+        <p:cNvPr id="1" name=""/>
+        <p:cNvGrpSpPr/>
+        <p:nvPr/>
+      </p:nvGrpSpPr>
+      <p:grpSpPr>
+        <a:xfrm>
+          <a:off x="0" y="0"/>
+          <a:ext cx="0" cy="0"/>
+          <a:chOff x="0" y="0"/>
+          <a:chExt cx="0" cy="0"/>
+        </a:xfrm>
+      </p:grpSpPr>
+      <p:sp>
+        <p:nvSpPr>
+          <p:cNvPr id="2" name="Zástupný objekt pre hlavičku 1"/>
+          <p:cNvSpPr>
+            <a:spLocks noGrp="1"/>
+          </p:cNvSpPr>
+          <p:nvPr>
+            <p:ph type="hdr" sz="quarter"/>
+          </p:nvPr>
+        </p:nvSpPr>
+        <p:spPr>
+          <a:xfrm>
+            <a:off x="0" y="0"/>
+            <a:ext cx="2971800" cy="458788"/>
+          </a:xfrm>
+          <a:prstGeom prst="rect">
+            <a:avLst/>
+          </a:prstGeom>
+        </p:spPr>
+        <p:txBody>
+          <a:bodyPr vert="horz" lIns="91440" tIns="45720" rIns="91440" bIns="45720" rtlCol="0"/>
+          <a:lstStyle>
+            <a:lvl1pPr algn="l">
+              <a:defRPr sz="1200"/>
+            </a:lvl1pPr>
+          </a:lstStyle>
+          <a:p>
+            <a:endParaRPr lang="sk-SK"/>
+          </a:p>
+        </p:txBody>
+      </p:sp>
+      <p:sp>
+        <p:nvSpPr>
+          <p:cNvPr id="3" name="Zástupný objekt pre dátum 2"/>
+          <p:cNvSpPr>
+            <a:spLocks noGrp="1"/>
+          </p:cNvSpPr>
+          <p:nvPr>
+            <p:ph type="dt" idx="1"/>
+          </p:nvPr>
+        </p:nvSpPr>
+        <p:spPr>
+          <a:xfrm>
+            <a:off x="3884613" y="0"/>
+            <a:ext cx="2971800" cy="458788"/>
+          </a:xfrm>
+          <a:prstGeom prst="rect">
+            <a:avLst/>
+          </a:prstGeom>
+        </p:spPr>
+        <p:txBody>
+          <a:bodyPr vert="horz" lIns="91440" tIns="45720" rIns="91440" bIns="45720" rtlCol="0"/>
+          <a:lstStyle>
+            <a:lvl1pPr algn="r">
+              <a:defRPr sz="1200"/>
+            </a:lvl1pPr>
+          </a:lstStyle>
+          <a:p>
+            <a:fld id="{2DA509E6-8E00-4DAA-B17B-75A5EB0A3C7F}" type="datetimeFigureOut">
+              <a:rPr lang="sk-SK" smtClean="0"/>
+              <a:t>1. 4. 2019</a:t>
+            </a:fld>
+            <a:endParaRPr lang="sk-SK"/>
+          </a:p>
+        </p:txBody>
+      </p:sp>
+      <p:sp>
+        <p:nvSpPr>
+          <p:cNvPr id="4" name="Zástupný objekt pre obrázok snímky 3"/>
+          <p:cNvSpPr>
+            <a:spLocks noGrp="1" noRot="1" noChangeAspect="1"/>
+          </p:cNvSpPr>
+          <p:nvPr>
+            <p:ph type="sldImg" idx="2"/>
+          </p:nvPr>
+        </p:nvSpPr>
+        <p:spPr>
+          <a:xfrm>
+            <a:off x="685800" y="1143000"/>
+            <a:ext cx="5486400" cy="3086100"/>
+          </a:xfrm>
+          <a:prstGeom prst="rect">
+            <a:avLst/>
+          </a:prstGeom>
+          <a:noFill/>
+          <a:ln w="12700">
+            <a:solidFill>
+              <a:prstClr val="black"/>
+            </a:solidFill>
+          </a:ln>
+        </p:spPr>
+        <p:txBody>
+          <a:bodyPr vert="horz" lIns="91440" tIns="45720" rIns="91440" bIns="45720" rtlCol="0" anchor="ctr"/>
+          <a:lstStyle/>
+          <a:p>
+            <a:endParaRPr lang="sk-SK"/>
+          </a:p>
+        </p:txBody>
+      </p:sp>
+      <p:sp>
+        <p:nvSpPr>
+          <p:cNvPr id="5" name="Zástupný objekt pre poznámky 4"/>
+          <p:cNvSpPr>
+            <a:spLocks noGrp="1"/>
+          </p:cNvSpPr>
+          <p:nvPr>
+            <p:ph type="body" sz="quarter" idx="3"/>
+          </p:nvPr>
+        </p:nvSpPr>
+        <p:spPr>
+          <a:xfrm>
+            <a:off x="685800" y="4400550"/>
+            <a:ext cx="5486400" cy="3600450"/>
+          </a:xfrm>
+          <a:prstGeom prst="rect">
+            <a:avLst/>
+          </a:prstGeom>
+        </p:spPr>
+        <p:txBody>
+          <a:bodyPr vert="horz" lIns="91440" tIns="45720" rIns="91440" bIns="45720" rtlCol="0"/>
+          <a:lstStyle/>
+          <a:p>
+            <a:pPr lvl="0"/>
+            <a:r>
+              <a:rPr lang="sk-SK" smtClean="0"/>
+              <a:t>Upraviť štýly predlohy textu</a:t>
+            </a:r>
+          </a:p>
+          <a:p>
+            <a:pPr lvl="1"/>
+            <a:r>
+              <a:rPr lang="sk-SK" smtClean="0"/>
+              <a:t>Druhá úroveň</a:t>
+            </a:r>
+          </a:p>
+          <a:p>
+            <a:pPr lvl="2"/>
+            <a:r>
+              <a:rPr lang="sk-SK" smtClean="0"/>
+              <a:t>Tretia úroveň</a:t>
+            </a:r>
+          </a:p>
+          <a:p>
+            <a:pPr lvl="3"/>
+            <a:r>
+              <a:rPr lang="sk-SK" smtClean="0"/>
+              <a:t>Štvrtá úroveň</a:t>
+            </a:r>
+          </a:p>
+          <a:p>
+            <a:pPr lvl="4"/>
+            <a:r>
+              <a:rPr lang="sk-SK" smtClean="0"/>
+              <a:t>Piata úroveň</a:t>
+            </a:r>
+            <a:endParaRPr lang="sk-SK"/>
+          </a:p>
+        </p:txBody>
+      </p:sp>
+      <p:sp>
+        <p:nvSpPr>
+          <p:cNvPr id="6" name="Zástupný objekt pre pätu 5"/>
+          <p:cNvSpPr>
+            <a:spLocks noGrp="1"/>
+          </p:cNvSpPr>
+          <p:nvPr>
+            <p:ph type="ftr" sz="quarter" idx="4"/>
+          </p:nvPr>
+        </p:nvSpPr>
+        <p:spPr>
+          <a:xfrm>
+            <a:off x="0" y="8685213"/>
+            <a:ext cx="2971800" cy="458787"/>
+          </a:xfrm>
+          <a:prstGeom prst="rect">
+            <a:avLst/>
+          </a:prstGeom>
+        </p:spPr>
+        <p:txBody>
+          <a:bodyPr vert="horz" lIns="91440" tIns="45720" rIns="91440" bIns="45720" rtlCol="0" anchor="b"/>
+          <a:lstStyle>
+            <a:lvl1pPr algn="l">
+              <a:defRPr sz="1200"/>
+            </a:lvl1pPr>
+          </a:lstStyle>
+          <a:p>
+            <a:endParaRPr lang="sk-SK"/>
+          </a:p>
+        </p:txBody>
+      </p:sp>
+      <p:sp>
+        <p:nvSpPr>
+          <p:cNvPr id="7" name="Zástupný objekt pre číslo snímky 6"/>
+          <p:cNvSpPr>
+            <a:spLocks noGrp="1"/>
+          </p:cNvSpPr>
+          <p:nvPr>
+            <p:ph type="sldNum" sz="quarter" idx="5"/>
+          </p:nvPr>
+        </p:nvSpPr>
+        <p:spPr>
+          <a:xfrm>
+            <a:off x="3884613" y="8685213"/>
+            <a:ext cx="2971800" cy="458787"/>
+          </a:xfrm>
+          <a:prstGeom prst="rect">
+            <a:avLst/>
+          </a:prstGeom>
+        </p:spPr>
+        <p:txBody>
+          <a:bodyPr vert="horz" lIns="91440" tIns="45720" rIns="91440" bIns="45720" rtlCol="0" anchor="b"/>
+          <a:lstStyle>
+            <a:lvl1pPr algn="r">
+              <a:defRPr sz="1200"/>
+            </a:lvl1pPr>
+          </a:lstStyle>
+          <a:p>
+            <a:fld id="{57D5D655-EBED-4D03-8F5E-56FA6558177E}" type="slidenum">
+              <a:rPr lang="sk-SK" smtClean="0"/>
+              <a:t>‹#›</a:t>
+            </a:fld>
+            <a:endParaRPr lang="sk-SK"/>
+          </a:p>
+        </p:txBody>
+      </p:sp>
+    </p:spTree>
+    <p:extLst>
+      <p:ext uri="{BB962C8B-B14F-4D97-AF65-F5344CB8AC3E}">
+        <p14:creationId xmlns:p14="http://schemas.microsoft.com/office/powerpoint/2010/main" val="3688824978"/>
+      </p:ext>
+    </p:extLst>
+  </p:cSld>
+  <p:clrMap bg1="lt1" tx1="dk1" bg2="lt2" tx2="dk2" accent1="accent1" accent2="accent2" accent3="accent3" accent4="accent4" accent5="accent5" accent6="accent6" hlink="hlink" folHlink="folHlink"/>
+  <p:notesStyle>
+    <a:lvl1pPr marL="0" algn="l" defTabSz="914400" rtl="0" eaLnBrk="1" latinLnBrk="0" hangingPunct="1">
+      <a:defRPr sz="1200" kern="1200">
+        <a:solidFill>
+          <a:schemeClr val="tx1"/>
+        </a:solidFill>
+        <a:latin typeface="+mn-lt"/>
+        <a:ea typeface="+mn-ea"/>
+        <a:cs typeface="+mn-cs"/>
+      </a:defRPr>
+    </a:lvl1pPr>
+    <a:lvl2pPr marL="457200" algn="l" defTabSz="914400" rtl="0" eaLnBrk="1" latinLnBrk="0" hangingPunct="1">
+      <a:defRPr sz="1200" kern="1200">
+        <a:solidFill>
+          <a:schemeClr val="tx1"/>
+        </a:solidFill>
+        <a:latin typeface="+mn-lt"/>
+        <a:ea typeface="+mn-ea"/>
+        <a:cs typeface="+mn-cs"/>
+      </a:defRPr>
+    </a:lvl2pPr>
+    <a:lvl3pPr marL="914400" algn="l" defTabSz="914400" rtl="0" eaLnBrk="1" latinLnBrk="0" hangingPunct="1">
+      <a:defRPr sz="1200" kern="1200">
+        <a:solidFill>
+          <a:schemeClr val="tx1"/>
+        </a:solidFill>
+        <a:latin typeface="+mn-lt"/>
+        <a:ea typeface="+mn-ea"/>
+        <a:cs typeface="+mn-cs"/>
+      </a:defRPr>
+    </a:lvl3pPr>
+    <a:lvl4pPr marL="1371600" algn="l" defTabSz="914400" rtl="0" eaLnBrk="1" latinLnBrk="0" hangingPunct="1">
+      <a:defRPr sz="1200" kern="1200">
+        <a:solidFill>
+          <a:schemeClr val="tx1"/>
+        </a:solidFill>
+        <a:latin typeface="+mn-lt"/>
+        <a:ea typeface="+mn-ea"/>
+        <a:cs typeface="+mn-cs"/>
+      </a:defRPr>
+    </a:lvl4pPr>
+    <a:lvl5pPr marL="1828800" algn="l" defTabSz="914400" rtl="0" eaLnBrk="1" latinLnBrk="0" hangingPunct="1">
+      <a:defRPr sz="1200" kern="1200">
+        <a:solidFill>
+          <a:schemeClr val="tx1"/>
+        </a:solidFill>
+        <a:latin typeface="+mn-lt"/>
+        <a:ea typeface="+mn-ea"/>
+        <a:cs typeface="+mn-cs"/>
+      </a:defRPr>
+    </a:lvl5pPr>
+    <a:lvl6pPr marL="2286000" algn="l" defTabSz="914400" rtl="0" eaLnBrk="1" latinLnBrk="0" hangingPunct="1">
+      <a:defRPr sz="1200" kern="1200">
+        <a:solidFill>
+          <a:schemeClr val="tx1"/>
+        </a:solidFill>
+        <a:latin typeface="+mn-lt"/>
+        <a:ea typeface="+mn-ea"/>
+        <a:cs typeface="+mn-cs"/>
+      </a:defRPr>
+    </a:lvl6pPr>
+    <a:lvl7pPr marL="2743200" algn="l" defTabSz="914400" rtl="0" eaLnBrk="1" latinLnBrk="0" hangingPunct="1">
+      <a:defRPr sz="1200" kern="1200">
+        <a:solidFill>
+          <a:schemeClr val="tx1"/>
+        </a:solidFill>
+        <a:latin typeface="+mn-lt"/>
+        <a:ea typeface="+mn-ea"/>
+        <a:cs typeface="+mn-cs"/>
+      </a:defRPr>
+    </a:lvl7pPr>
+    <a:lvl8pPr marL="3200400" algn="l" defTabSz="914400" rtl="0" eaLnBrk="1" latinLnBrk="0" hangingPunct="1">
+      <a:defRPr sz="1200" kern="1200">
+        <a:solidFill>
+          <a:schemeClr val="tx1"/>
+        </a:solidFill>
+        <a:latin typeface="+mn-lt"/>
+        <a:ea typeface="+mn-ea"/>
+        <a:cs typeface="+mn-cs"/>
+      </a:defRPr>
+    </a:lvl8pPr>
+    <a:lvl9pPr marL="3657600" algn="l" defTabSz="914400" rtl="0" eaLnBrk="1" latinLnBrk="0" hangingPunct="1">
+      <a:defRPr sz="1200" kern="1200">
+        <a:solidFill>
+          <a:schemeClr val="tx1"/>
+        </a:solidFill>
+        <a:latin typeface="+mn-lt"/>
+        <a:ea typeface="+mn-ea"/>
+        <a:cs typeface="+mn-cs"/>
+      </a:defRPr>
+    </a:lvl9pPr>
+  </p:notesStyle>
+</p:notesMaster>
+</file>
+
+<file path=ppt/notesSlides/notesSlide1.xml><?xml version="1.0" encoding="utf-8"?>
+<p:notes xmlns:a="http://schemas.openxmlformats.org/drawingml/2006/main" xmlns:r="http://schemas.openxmlformats.org/officeDocument/2006/relationships" xmlns:p="http://schemas.openxmlformats.org/presentationml/2006/main">
+  <p:cSld>
+    <p:spTree>
+      <p:nvGrpSpPr>
+        <p:cNvPr id="1" name=""/>
+        <p:cNvGrpSpPr/>
+        <p:nvPr/>
+      </p:nvGrpSpPr>
+      <p:grpSpPr>
+        <a:xfrm>
+          <a:off x="0" y="0"/>
+          <a:ext cx="0" cy="0"/>
+          <a:chOff x="0" y="0"/>
+          <a:chExt cx="0" cy="0"/>
+        </a:xfrm>
+      </p:grpSpPr>
+      <p:sp>
+        <p:nvSpPr>
+          <p:cNvPr id="2" name="Zástupný objekt pre obrázok snímky 1"/>
+          <p:cNvSpPr>
+            <a:spLocks noGrp="1" noRot="1" noChangeAspect="1"/>
+          </p:cNvSpPr>
+          <p:nvPr>
+            <p:ph type="sldImg"/>
+          </p:nvPr>
+        </p:nvSpPr>
+        <p:spPr/>
+      </p:sp>
+      <p:sp>
+        <p:nvSpPr>
+          <p:cNvPr id="3" name="Zástupný objekt pre poznámky 2"/>
+          <p:cNvSpPr>
+            <a:spLocks noGrp="1"/>
+          </p:cNvSpPr>
+          <p:nvPr>
+            <p:ph type="body" idx="1"/>
+          </p:nvPr>
+        </p:nvSpPr>
+        <p:spPr/>
+        <p:txBody>
+          <a:bodyPr/>
+          <a:lstStyle/>
+          <a:p>
+            <a:r>
+              <a:rPr lang="sk-SK" dirty="0" smtClean="0"/>
+              <a:t>-herne prvky spríjemňujú hru a robia ju atraktívnou</a:t>
+            </a:r>
+            <a:endParaRPr lang="sk-SK" dirty="0"/>
+          </a:p>
+        </p:txBody>
+      </p:sp>
+      <p:sp>
+        <p:nvSpPr>
+          <p:cNvPr id="4" name="Zástupný objekt pre číslo snímky 3"/>
+          <p:cNvSpPr>
+            <a:spLocks noGrp="1"/>
+          </p:cNvSpPr>
+          <p:nvPr>
+            <p:ph type="sldNum" sz="quarter" idx="10"/>
+          </p:nvPr>
+        </p:nvSpPr>
+        <p:spPr/>
+        <p:txBody>
+          <a:bodyPr/>
+          <a:lstStyle/>
+          <a:p>
+            <a:fld id="{57D5D655-EBED-4D03-8F5E-56FA6558177E}" type="slidenum">
+              <a:rPr lang="sk-SK" smtClean="0"/>
+              <a:t>2</a:t>
+            </a:fld>
+            <a:endParaRPr lang="sk-SK"/>
+          </a:p>
+        </p:txBody>
+      </p:sp>
+    </p:spTree>
+    <p:extLst>
+      <p:ext uri="{BB962C8B-B14F-4D97-AF65-F5344CB8AC3E}">
+        <p14:creationId xmlns:p14="http://schemas.microsoft.com/office/powerpoint/2010/main" val="2991396"/>
+      </p:ext>
+    </p:extLst>
+  </p:cSld>
+  <p:clrMapOvr>
+    <a:masterClrMapping/>
+  </p:clrMapOvr>
+</p:notes>
+</file>
+
+<file path=ppt/notesSlides/notesSlide2.xml><?xml version="1.0" encoding="utf-8"?>
+<p:notes xmlns:a="http://schemas.openxmlformats.org/drawingml/2006/main" xmlns:r="http://schemas.openxmlformats.org/officeDocument/2006/relationships" xmlns:p="http://schemas.openxmlformats.org/presentationml/2006/main">
+  <p:cSld>
+    <p:spTree>
+      <p:nvGrpSpPr>
+        <p:cNvPr id="1" name=""/>
+        <p:cNvGrpSpPr/>
+        <p:nvPr/>
+      </p:nvGrpSpPr>
+      <p:grpSpPr>
+        <a:xfrm>
+          <a:off x="0" y="0"/>
+          <a:ext cx="0" cy="0"/>
+          <a:chOff x="0" y="0"/>
+          <a:chExt cx="0" cy="0"/>
+        </a:xfrm>
+      </p:grpSpPr>
+      <p:sp>
+        <p:nvSpPr>
+          <p:cNvPr id="2" name="Zástupný objekt pre obrázok snímky 1"/>
+          <p:cNvSpPr>
+            <a:spLocks noGrp="1" noRot="1" noChangeAspect="1"/>
+          </p:cNvSpPr>
+          <p:nvPr>
+            <p:ph type="sldImg"/>
+          </p:nvPr>
+        </p:nvSpPr>
+        <p:spPr/>
+      </p:sp>
+      <p:sp>
+        <p:nvSpPr>
+          <p:cNvPr id="3" name="Zástupný objekt pre poznámky 2"/>
+          <p:cNvSpPr>
+            <a:spLocks noGrp="1"/>
+          </p:cNvSpPr>
+          <p:nvPr>
+            <p:ph type="body" idx="1"/>
+          </p:nvPr>
+        </p:nvSpPr>
+        <p:spPr/>
+        <p:txBody>
+          <a:bodyPr/>
+          <a:lstStyle/>
+          <a:p>
+            <a:endParaRPr lang="sk-SK" dirty="0"/>
+          </a:p>
+        </p:txBody>
+      </p:sp>
+      <p:sp>
+        <p:nvSpPr>
+          <p:cNvPr id="4" name="Zástupný objekt pre číslo snímky 3"/>
+          <p:cNvSpPr>
+            <a:spLocks noGrp="1"/>
+          </p:cNvSpPr>
+          <p:nvPr>
+            <p:ph type="sldNum" sz="quarter" idx="10"/>
+          </p:nvPr>
+        </p:nvSpPr>
+        <p:spPr/>
+        <p:txBody>
+          <a:bodyPr/>
+          <a:lstStyle/>
+          <a:p>
+            <a:fld id="{57D5D655-EBED-4D03-8F5E-56FA6558177E}" type="slidenum">
+              <a:rPr lang="sk-SK" smtClean="0"/>
+              <a:t>3</a:t>
+            </a:fld>
+            <a:endParaRPr lang="sk-SK"/>
+          </a:p>
+        </p:txBody>
+      </p:sp>
+    </p:spTree>
+    <p:extLst>
+      <p:ext uri="{BB962C8B-B14F-4D97-AF65-F5344CB8AC3E}">
+        <p14:creationId xmlns:p14="http://schemas.microsoft.com/office/powerpoint/2010/main" val="3258999060"/>
+      </p:ext>
+    </p:extLst>
+  </p:cSld>
+  <p:clrMapOvr>
+    <a:masterClrMapping/>
+  </p:clrMapOvr>
+</p:notes>
+</file>
+
+<file path=ppt/notesSlides/notesSlide3.xml><?xml version="1.0" encoding="utf-8"?>
+<p:notes xmlns:a="http://schemas.openxmlformats.org/drawingml/2006/main" xmlns:r="http://schemas.openxmlformats.org/officeDocument/2006/relationships" xmlns:p="http://schemas.openxmlformats.org/presentationml/2006/main">
+  <p:cSld>
+    <p:spTree>
+      <p:nvGrpSpPr>
+        <p:cNvPr id="1" name=""/>
+        <p:cNvGrpSpPr/>
+        <p:nvPr/>
+      </p:nvGrpSpPr>
+      <p:grpSpPr>
+        <a:xfrm>
+          <a:off x="0" y="0"/>
+          <a:ext cx="0" cy="0"/>
+          <a:chOff x="0" y="0"/>
+          <a:chExt cx="0" cy="0"/>
+        </a:xfrm>
+      </p:grpSpPr>
+      <p:sp>
+        <p:nvSpPr>
+          <p:cNvPr id="2" name="Zástupný objekt pre obrázok snímky 1"/>
+          <p:cNvSpPr>
+            <a:spLocks noGrp="1" noRot="1" noChangeAspect="1"/>
+          </p:cNvSpPr>
+          <p:nvPr>
+            <p:ph type="sldImg"/>
+          </p:nvPr>
+        </p:nvSpPr>
+        <p:spPr/>
+      </p:sp>
+      <p:sp>
+        <p:nvSpPr>
+          <p:cNvPr id="3" name="Zástupný objekt pre poznámky 2"/>
+          <p:cNvSpPr>
+            <a:spLocks noGrp="1"/>
+          </p:cNvSpPr>
+          <p:nvPr>
+            <p:ph type="body" idx="1"/>
+          </p:nvPr>
+        </p:nvSpPr>
+        <p:spPr/>
+        <p:txBody>
+          <a:bodyPr/>
+          <a:lstStyle/>
+          <a:p>
+            <a:pPr marL="0" marR="0" lvl="0" indent="0" algn="l" defTabSz="914400" rtl="0" eaLnBrk="1" fontAlgn="auto" latinLnBrk="0" hangingPunct="1">
+              <a:lnSpc>
+                <a:spcPct val="100000"/>
+              </a:lnSpc>
+              <a:spcBef>
+                <a:spcPts val="0"/>
+              </a:spcBef>
+              <a:spcAft>
+                <a:spcPts val="0"/>
+              </a:spcAft>
+              <a:buClrTx/>
+              <a:buSzTx/>
+              <a:buFontTx/>
+              <a:buNone/>
+              <a:tabLst/>
+              <a:defRPr/>
+            </a:pPr>
+            <a:endParaRPr lang="sk-SK" dirty="0"/>
+          </a:p>
+        </p:txBody>
+      </p:sp>
+      <p:sp>
+        <p:nvSpPr>
+          <p:cNvPr id="4" name="Zástupný objekt pre číslo snímky 3"/>
+          <p:cNvSpPr>
+            <a:spLocks noGrp="1"/>
+          </p:cNvSpPr>
+          <p:nvPr>
+            <p:ph type="sldNum" sz="quarter" idx="10"/>
+          </p:nvPr>
+        </p:nvSpPr>
+        <p:spPr/>
+        <p:txBody>
+          <a:bodyPr/>
+          <a:lstStyle/>
+          <a:p>
+            <a:fld id="{57D5D655-EBED-4D03-8F5E-56FA6558177E}" type="slidenum">
+              <a:rPr lang="sk-SK" smtClean="0"/>
+              <a:t>4</a:t>
+            </a:fld>
+            <a:endParaRPr lang="sk-SK"/>
+          </a:p>
+        </p:txBody>
+      </p:sp>
+    </p:spTree>
+    <p:extLst>
+      <p:ext uri="{BB962C8B-B14F-4D97-AF65-F5344CB8AC3E}">
+        <p14:creationId xmlns:p14="http://schemas.microsoft.com/office/powerpoint/2010/main" val="4064443455"/>
+      </p:ext>
+    </p:extLst>
+  </p:cSld>
+  <p:clrMapOvr>
+    <a:masterClrMapping/>
+  </p:clrMapOvr>
+</p:notes>
+</file>
+
+<file path=ppt/notesSlides/notesSlide4.xml><?xml version="1.0" encoding="utf-8"?>
+<p:notes xmlns:a="http://schemas.openxmlformats.org/drawingml/2006/main" xmlns:r="http://schemas.openxmlformats.org/officeDocument/2006/relationships" xmlns:p="http://schemas.openxmlformats.org/presentationml/2006/main">
+  <p:cSld>
+    <p:spTree>
+      <p:nvGrpSpPr>
+        <p:cNvPr id="1" name=""/>
+        <p:cNvGrpSpPr/>
+        <p:nvPr/>
+      </p:nvGrpSpPr>
+      <p:grpSpPr>
+        <a:xfrm>
+          <a:off x="0" y="0"/>
+          <a:ext cx="0" cy="0"/>
+          <a:chOff x="0" y="0"/>
+          <a:chExt cx="0" cy="0"/>
+        </a:xfrm>
+      </p:grpSpPr>
+      <p:sp>
+        <p:nvSpPr>
+          <p:cNvPr id="2" name="Zástupný objekt pre obrázok snímky 1"/>
+          <p:cNvSpPr>
+            <a:spLocks noGrp="1" noRot="1" noChangeAspect="1"/>
+          </p:cNvSpPr>
+          <p:nvPr>
+            <p:ph type="sldImg"/>
+          </p:nvPr>
+        </p:nvSpPr>
+        <p:spPr/>
+      </p:sp>
+      <p:sp>
+        <p:nvSpPr>
+          <p:cNvPr id="3" name="Zástupný objekt pre poznámky 2"/>
+          <p:cNvSpPr>
+            <a:spLocks noGrp="1"/>
+          </p:cNvSpPr>
+          <p:nvPr>
+            <p:ph type="body" idx="1"/>
+          </p:nvPr>
+        </p:nvSpPr>
+        <p:spPr/>
+        <p:txBody>
+          <a:bodyPr/>
+          <a:lstStyle/>
+          <a:p>
+            <a:r>
+              <a:rPr lang="sk-SK" dirty="0" smtClean="0"/>
+              <a:t>-</a:t>
+            </a:r>
+            <a:r>
+              <a:rPr lang="sk-SK" baseline="0" dirty="0" smtClean="0"/>
+              <a:t>diskutabilný</a:t>
+            </a:r>
+            <a:endParaRPr lang="sk-SK" dirty="0"/>
+          </a:p>
+        </p:txBody>
+      </p:sp>
+      <p:sp>
+        <p:nvSpPr>
+          <p:cNvPr id="4" name="Zástupný objekt pre číslo snímky 3"/>
+          <p:cNvSpPr>
+            <a:spLocks noGrp="1"/>
+          </p:cNvSpPr>
+          <p:nvPr>
+            <p:ph type="sldNum" sz="quarter" idx="10"/>
+          </p:nvPr>
+        </p:nvSpPr>
+        <p:spPr/>
+        <p:txBody>
+          <a:bodyPr/>
+          <a:lstStyle/>
+          <a:p>
+            <a:fld id="{57D5D655-EBED-4D03-8F5E-56FA6558177E}" type="slidenum">
+              <a:rPr lang="sk-SK" smtClean="0"/>
+              <a:t>5</a:t>
+            </a:fld>
+            <a:endParaRPr lang="sk-SK"/>
+          </a:p>
+        </p:txBody>
+      </p:sp>
+    </p:spTree>
+    <p:extLst>
+      <p:ext uri="{BB962C8B-B14F-4D97-AF65-F5344CB8AC3E}">
+        <p14:creationId xmlns:p14="http://schemas.microsoft.com/office/powerpoint/2010/main" val="3416309404"/>
+      </p:ext>
+    </p:extLst>
+  </p:cSld>
+  <p:clrMapOvr>
+    <a:masterClrMapping/>
+  </p:clrMapOvr>
+</p:notes>
+</file>
+
 <file path=ppt/slideLayouts/slideLayout1.xml><?xml version="1.0" encoding="utf-8"?>
 <p:sldLayout xmlns:a="http://schemas.openxmlformats.org/drawingml/2006/main" xmlns:r="http://schemas.openxmlformats.org/officeDocument/2006/relationships" xmlns:p="http://schemas.openxmlformats.org/presentationml/2006/main" showMasterSp="0" type="title" preserve="1">
   <p:cSld name="Úvodná snímka">
@@ -286,7 +1004,7 @@
           <a:p>
             <a:fld id="{4AAD347D-5ACD-4C99-B74B-A9C85AD731AF}" type="datetimeFigureOut">
               <a:rPr lang="en-US" smtClean="0"/>
-              <a:t>3/27/2019</a:t>
+              <a:t>4/1/2019</a:t>
             </a:fld>
             <a:endParaRPr lang="en-US" dirty="0"/>
           </a:p>
@@ -616,7 +1334,7 @@
           <a:p>
             <a:fld id="{4509A250-FF31-4206-8172-F9D3106AACB1}" type="datetimeFigureOut">
               <a:rPr lang="en-US" smtClean="0"/>
-              <a:t>3/27/2019</a:t>
+              <a:t>4/1/2019</a:t>
             </a:fld>
             <a:endParaRPr lang="en-US" dirty="0"/>
           </a:p>
@@ -796,7 +1514,7 @@
           <a:p>
             <a:fld id="{4509A250-FF31-4206-8172-F9D3106AACB1}" type="datetimeFigureOut">
               <a:rPr lang="en-US" smtClean="0"/>
-              <a:t>3/27/2019</a:t>
+              <a:t>4/1/2019</a:t>
             </a:fld>
             <a:endParaRPr lang="en-US" dirty="0"/>
           </a:p>
@@ -966,7 +1684,7 @@
           <a:p>
             <a:fld id="{4509A250-FF31-4206-8172-F9D3106AACB1}" type="datetimeFigureOut">
               <a:rPr lang="en-US" smtClean="0"/>
-              <a:t>3/27/2019</a:t>
+              <a:t>4/1/2019</a:t>
             </a:fld>
             <a:endParaRPr lang="en-US" dirty="0"/>
           </a:p>
@@ -1243,7 +1961,7 @@
           <a:p>
             <a:fld id="{9796027F-7875-4030-9381-8BD8C4F21935}" type="datetimeFigureOut">
               <a:rPr lang="en-US" smtClean="0"/>
-              <a:t>3/27/2019</a:t>
+              <a:t>4/1/2019</a:t>
             </a:fld>
             <a:endParaRPr lang="en-US" dirty="0"/>
           </a:p>
@@ -1637,7 +2355,7 @@
           <a:p>
             <a:fld id="{9796027F-7875-4030-9381-8BD8C4F21935}" type="datetimeFigureOut">
               <a:rPr lang="en-US" smtClean="0"/>
-              <a:t>3/27/2019</a:t>
+              <a:t>4/1/2019</a:t>
             </a:fld>
             <a:endParaRPr lang="en-US" dirty="0"/>
           </a:p>
@@ -2119,7 +2837,7 @@
           <a:p>
             <a:fld id="{9796027F-7875-4030-9381-8BD8C4F21935}" type="datetimeFigureOut">
               <a:rPr lang="en-US" smtClean="0"/>
-              <a:t>3/27/2019</a:t>
+              <a:t>4/1/2019</a:t>
             </a:fld>
             <a:endParaRPr lang="en-US" dirty="0"/>
           </a:p>
@@ -2242,7 +2960,7 @@
           <a:p>
             <a:fld id="{4509A250-FF31-4206-8172-F9D3106AACB1}" type="datetimeFigureOut">
               <a:rPr lang="en-US" smtClean="0"/>
-              <a:t>3/27/2019</a:t>
+              <a:t>4/1/2019</a:t>
             </a:fld>
             <a:endParaRPr lang="en-US" dirty="0"/>
           </a:p>
@@ -2337,7 +3055,7 @@
           <a:p>
             <a:fld id="{4509A250-FF31-4206-8172-F9D3106AACB1}" type="datetimeFigureOut">
               <a:rPr lang="en-US" smtClean="0"/>
-              <a:t>3/27/2019</a:t>
+              <a:t>4/1/2019</a:t>
             </a:fld>
             <a:endParaRPr lang="en-US" dirty="0"/>
           </a:p>
@@ -2683,7 +3401,7 @@
           <a:p>
             <a:fld id="{4509A250-FF31-4206-8172-F9D3106AACB1}" type="datetimeFigureOut">
               <a:rPr lang="en-US" smtClean="0"/>
-              <a:t>3/27/2019</a:t>
+              <a:t>4/1/2019</a:t>
             </a:fld>
             <a:endParaRPr lang="en-US" dirty="0"/>
           </a:p>
@@ -3076,7 +3794,7 @@
           <a:p>
             <a:fld id="{4509A250-FF31-4206-8172-F9D3106AACB1}" type="datetimeFigureOut">
               <a:rPr lang="en-US" smtClean="0"/>
-              <a:t>3/27/2019</a:t>
+              <a:t>4/1/2019</a:t>
             </a:fld>
             <a:endParaRPr lang="en-US" dirty="0"/>
           </a:p>
@@ -3354,7 +4072,7 @@
           <a:p>
             <a:fld id="{4AAD347D-5ACD-4C99-B74B-A9C85AD731AF}" type="datetimeFigureOut">
               <a:rPr lang="en-US" smtClean="0"/>
-              <a:t>3/27/2019</a:t>
+              <a:t>4/1/2019</a:t>
             </a:fld>
             <a:endParaRPr lang="en-US" dirty="0"/>
           </a:p>
@@ -4026,6 +4744,14 @@
               <a:rPr lang="sk-SK" dirty="0"/>
               <a:t>riešením na získavanie veľkého množstva dát od používateľov je využiť tzv. silu davu a zapojiť aj bežných ľudí, pre ktorých sa budú tieto aktivity javiť ako hry. </a:t>
             </a:r>
+            <a:endParaRPr lang="sk-SK" dirty="0" smtClean="0"/>
+          </a:p>
+          <a:p>
+            <a:r>
+              <a:rPr lang="sk-SK" dirty="0" smtClean="0"/>
+              <a:t>Docielime to pridaním herných prvkov do riešenia samotnej úlohy.</a:t>
+            </a:r>
+            <a:endParaRPr lang="sk-SK" dirty="0"/>
           </a:p>
         </p:txBody>
       </p:sp>
@@ -4101,10 +4827,100 @@
         </p:nvSpPr>
         <p:spPr/>
         <p:txBody>
-          <a:bodyPr/>
+          <a:bodyPr>
+            <a:normAutofit/>
+          </a:bodyPr>
           <a:lstStyle/>
           <a:p>
-            <a:endParaRPr lang="sk-SK" dirty="0"/>
+            <a:r>
+              <a:rPr lang="sk-SK" dirty="0" smtClean="0"/>
+              <a:t>Prvotným cieľom </a:t>
+            </a:r>
+            <a:r>
+              <a:rPr lang="sk-SK" dirty="0"/>
+              <a:t>práce </a:t>
+            </a:r>
+            <a:r>
+              <a:rPr lang="sk-SK" dirty="0" smtClean="0"/>
+              <a:t>bolo</a:t>
+            </a:r>
+            <a:r>
+              <a:rPr lang="sk-SK" dirty="0" smtClean="0"/>
+              <a:t> </a:t>
+            </a:r>
+            <a:r>
+              <a:rPr lang="sk-SK" dirty="0"/>
+              <a:t>navrhnúť hru s účelom, v ktorej by hráči </a:t>
+            </a:r>
+            <a:r>
+              <a:rPr lang="sk-SK" dirty="0" smtClean="0"/>
+              <a:t>ohodnocovali </a:t>
+            </a:r>
+            <a:r>
+              <a:rPr lang="sk-SK" dirty="0"/>
+              <a:t>synonymické vzťahy medzi slovami. </a:t>
+            </a:r>
+            <a:endParaRPr lang="sk-SK" dirty="0" smtClean="0"/>
+          </a:p>
+          <a:p>
+            <a:r>
+              <a:rPr lang="sk-SK" dirty="0" smtClean="0"/>
+              <a:t>Keďže </a:t>
+            </a:r>
+            <a:r>
+              <a:rPr lang="sk-SK" dirty="0"/>
+              <a:t>synonymické slovníky už </a:t>
+            </a:r>
+            <a:r>
+              <a:rPr lang="sk-SK" dirty="0" smtClean="0"/>
+              <a:t>existujú, nie </a:t>
+            </a:r>
+            <a:r>
+              <a:rPr lang="sk-SK" dirty="0"/>
+              <a:t>je naším cieľom vytvárať nový slovník od </a:t>
+            </a:r>
+            <a:r>
+              <a:rPr lang="sk-SK" dirty="0" smtClean="0"/>
+              <a:t>základu.</a:t>
+            </a:r>
+          </a:p>
+          <a:p>
+            <a:r>
+              <a:rPr lang="sk-SK" dirty="0" smtClean="0"/>
+              <a:t>Našou </a:t>
+            </a:r>
+            <a:r>
+              <a:rPr lang="sk-SK" dirty="0"/>
+              <a:t>prácou sa ale zameriame na validáciu dát jedného z týchto </a:t>
+            </a:r>
+            <a:r>
+              <a:rPr lang="sk-SK" dirty="0" smtClean="0"/>
+              <a:t>slovníkov.</a:t>
+            </a:r>
+          </a:p>
+          <a:p>
+            <a:pPr marL="0" indent="0">
+              <a:buNone/>
+            </a:pPr>
+            <a:endParaRPr lang="sk-SK" b="1" dirty="0" smtClean="0"/>
+          </a:p>
+          <a:p>
+            <a:pPr marL="0" indent="0" algn="ctr">
+              <a:buNone/>
+            </a:pPr>
+            <a:r>
+              <a:rPr lang="sk-SK" b="1" dirty="0" smtClean="0"/>
+              <a:t>Vytvoriť </a:t>
+            </a:r>
+            <a:r>
+              <a:rPr lang="sk-SK" b="1" dirty="0"/>
+              <a:t>webovú hru s účelom, ktorá bude získavať najbližšie synonymické vzťahy prostredníctvom dát jedného zo slovníkov</a:t>
+            </a:r>
+            <a:r>
+              <a:rPr lang="sk-SK" b="1" dirty="0" smtClean="0"/>
+              <a:t>.</a:t>
+            </a:r>
+            <a:endParaRPr lang="sk-SK" b="1" dirty="0"/>
           </a:p>
         </p:txBody>
       </p:sp>
@@ -4162,7 +4978,7 @@
           <a:p>
             <a:r>
               <a:rPr lang="sk-SK" dirty="0" smtClean="0"/>
-              <a:t>Stav analýzy</a:t>
+              <a:t>Realizácia</a:t>
             </a:r>
             <a:endParaRPr lang="sk-SK" dirty="0"/>
           </a:p>
@@ -4186,63 +5002,105 @@
           <a:lstStyle/>
           <a:p>
             <a:r>
+              <a:rPr lang="sk-SK" dirty="0"/>
+              <a:t>Na zrealizovanie tohto cieľu </a:t>
+            </a:r>
+            <a:r>
               <a:rPr lang="sk-SK" dirty="0" smtClean="0"/>
-              <a:t>V analýze sme sa zaoberali už vytvorenými hrami s rôznym zameraním: </a:t>
-            </a:r>
-          </a:p>
-          <a:p>
-            <a:pPr lvl="2"/>
+              <a:t>sme vytvorili webovú hlasovaciu </a:t>
+            </a:r>
+            <a:r>
+              <a:rPr lang="sk-SK" dirty="0"/>
+              <a:t>hru </a:t>
+            </a:r>
+            <a:endParaRPr lang="sk-SK" dirty="0" smtClean="0"/>
+          </a:p>
+          <a:p>
             <a:r>
               <a:rPr lang="sk-SK" dirty="0" smtClean="0"/>
-              <a:t>získavanie vzťahov medzi slovami</a:t>
-            </a:r>
-          </a:p>
-          <a:p>
-            <a:pPr lvl="2"/>
+              <a:t>Úlohou hráča je vystreliť šíp na určitý </a:t>
+            </a:r>
+            <a:r>
+              <a:rPr lang="sk-SK" dirty="0"/>
+              <a:t>počet z ponúknutých </a:t>
+            </a:r>
             <a:r>
               <a:rPr lang="sk-SK" dirty="0" smtClean="0"/>
-              <a:t>určovanie syntaxe</a:t>
-            </a:r>
-          </a:p>
-          <a:p>
-            <a:pPr lvl="2"/>
+              <a:t>možností</a:t>
+            </a:r>
+            <a:r>
+              <a:rPr lang="sk-SK" dirty="0"/>
+              <a:t>.</a:t>
+            </a:r>
+            <a:endParaRPr lang="sk-SK" dirty="0" smtClean="0"/>
+          </a:p>
+          <a:p>
             <a:r>
               <a:rPr lang="sk-SK" dirty="0" smtClean="0"/>
-              <a:t>získavanie faktov</a:t>
-            </a:r>
+              <a:t>Táto </a:t>
+            </a:r>
+            <a:r>
+              <a:rPr lang="sk-SK" dirty="0"/>
+              <a:t>selekcia bude vykonávaná na základe posúdenia hráča, ktoré zo slov majú najsilnejší synonymický vzťah k začiatočnému slovu. </a:t>
+            </a:r>
+            <a:endParaRPr lang="sk-SK" dirty="0" smtClean="0"/>
           </a:p>
           <a:p>
             <a:r>
               <a:rPr lang="sk-SK" dirty="0" smtClean="0"/>
-              <a:t>Hry sme navzájom porovnali z rôznych hľadísk </a:t>
-            </a:r>
-          </a:p>
-          <a:p>
-            <a:pPr lvl="2"/>
+              <a:t>V </a:t>
+            </a:r>
+            <a:r>
+              <a:rPr lang="sk-SK" dirty="0"/>
+              <a:t>hre sa budú pre udržanie a motiváciu hráčov nachádzať rôzne </a:t>
+            </a:r>
             <a:r>
               <a:rPr lang="sk-SK" dirty="0" smtClean="0"/>
-              <a:t>Dizajn</a:t>
-            </a:r>
-          </a:p>
-          <a:p>
-            <a:pPr lvl="2"/>
+              <a:t>herné prvky:</a:t>
+            </a:r>
+          </a:p>
+          <a:p>
+            <a:pPr lvl="1"/>
             <a:r>
               <a:rPr lang="sk-SK" dirty="0" smtClean="0"/>
-              <a:t>Interakcia</a:t>
-            </a:r>
-          </a:p>
-          <a:p>
-            <a:pPr lvl="2"/>
+              <a:t>Rebríček </a:t>
+            </a:r>
+            <a:r>
+              <a:rPr lang="sk-SK" dirty="0"/>
+              <a:t>najlepších </a:t>
+            </a:r>
             <a:r>
               <a:rPr lang="sk-SK" dirty="0" smtClean="0"/>
-              <a:t>motivácia hráča</a:t>
-            </a:r>
-          </a:p>
-          <a:p>
-            <a:pPr lvl="2"/>
+              <a:t>hráčov</a:t>
+            </a:r>
+          </a:p>
+          <a:p>
+            <a:pPr lvl="1"/>
             <a:r>
               <a:rPr lang="sk-SK" dirty="0" smtClean="0"/>
-              <a:t>bodovanie</a:t>
+              <a:t>Strom zručností</a:t>
+            </a:r>
+          </a:p>
+          <a:p>
+            <a:pPr lvl="1"/>
+            <a:r>
+              <a:rPr lang="sk-SK" dirty="0" smtClean="0"/>
+              <a:t>Zbierka úspechov</a:t>
+            </a:r>
+          </a:p>
+          <a:p>
+            <a:pPr lvl="1"/>
+            <a:r>
+              <a:rPr lang="sk-SK" dirty="0" smtClean="0"/>
+              <a:t>Samotná </a:t>
+            </a:r>
+            <a:r>
+              <a:rPr lang="sk-SK" dirty="0"/>
+              <a:t>tematika hry (</a:t>
+            </a:r>
+            <a:r>
+              <a:rPr lang="sk-SK" dirty="0" smtClean="0"/>
+              <a:t>lukostreľba)</a:t>
             </a:r>
             <a:endParaRPr lang="sk-SK" dirty="0"/>
           </a:p>
@@ -4251,7 +5109,7 @@
     </p:spTree>
     <p:extLst>
       <p:ext uri="{BB962C8B-B14F-4D97-AF65-F5344CB8AC3E}">
-        <p14:creationId xmlns:p14="http://schemas.microsoft.com/office/powerpoint/2010/main" val="3090358956"/>
+        <p14:creationId xmlns:p14="http://schemas.microsoft.com/office/powerpoint/2010/main" val="221927344"/>
       </p:ext>
     </p:extLst>
   </p:cSld>
@@ -4302,7 +5160,7 @@
           <a:p>
             <a:r>
               <a:rPr lang="sk-SK" dirty="0" smtClean="0"/>
-              <a:t>Plán práce</a:t>
+              <a:t>Vyhodnocovanie dát</a:t>
             </a:r>
             <a:endParaRPr lang="sk-SK" dirty="0"/>
           </a:p>
@@ -4320,53 +5178,269 @@
         </p:nvSpPr>
         <p:spPr/>
         <p:txBody>
-          <a:bodyPr/>
+          <a:bodyPr>
+            <a:normAutofit/>
+          </a:bodyPr>
           <a:lstStyle/>
           <a:p>
             <a:r>
+              <a:rPr lang="sk-SK" dirty="0"/>
+              <a:t>Ohodnotenia hráčov si </a:t>
+            </a:r>
+            <a:r>
               <a:rPr lang="sk-SK" dirty="0" smtClean="0"/>
-              <a:t>Ďalším krokom návrh hry a databázy</a:t>
-            </a:r>
-          </a:p>
-          <a:p>
+              <a:t>zhromažďujeme </a:t>
+            </a:r>
+            <a:r>
+              <a:rPr lang="sk-SK" dirty="0"/>
+              <a:t>v </a:t>
+            </a:r>
             <a:r>
               <a:rPr lang="sk-SK" dirty="0" smtClean="0"/>
-              <a:t>Po vytvorení hry následne zbieranie a vyhodnocovanie dát</a:t>
+              <a:t>databáze.</a:t>
             </a:r>
           </a:p>
           <a:p>
             <a:r>
               <a:rPr lang="sk-SK" dirty="0" smtClean="0"/>
-              <a:t>Existuje množstvo synonymických slovníkov takže našim cieľom nebude vytvárať nový slovník</a:t>
-            </a:r>
-          </a:p>
-          <a:p>
+              <a:t>Okrem slov ktoré </a:t>
+            </a:r>
+            <a:r>
+              <a:rPr lang="sk-SK" dirty="0"/>
+              <a:t>medzi sebou majú synonymický vzťah, si </a:t>
+            </a:r>
             <a:r>
               <a:rPr lang="sk-SK" dirty="0" smtClean="0"/>
-              <a:t>V našej hre sa zameriame na validáciu dát z už existujúceho synonymického slovníka</a:t>
-            </a:r>
-          </a:p>
-          <a:p>
-            <a:pPr marL="0" indent="0">
-              <a:buNone/>
-            </a:pPr>
+              <a:t>ukladáme </a:t>
+            </a:r>
+            <a:r>
+              <a:rPr lang="sk-SK" dirty="0"/>
+              <a:t>aj opačné</a:t>
+            </a:r>
+            <a:br>
+              <a:rPr lang="sk-SK" dirty="0"/>
+            </a:br>
+            <a:r>
+              <a:rPr lang="sk-SK" dirty="0"/>
+              <a:t>poradie v ktorom tieto slová hráč vybral. </a:t>
+            </a:r>
             <a:endParaRPr lang="sk-SK" dirty="0" smtClean="0"/>
           </a:p>
           <a:p>
-            <a:pPr marL="0" indent="0">
-              <a:buNone/>
-            </a:pPr>
+            <a:r>
+              <a:rPr lang="sk-SK" dirty="0" smtClean="0"/>
+              <a:t>Slovám </a:t>
+            </a:r>
+            <a:r>
+              <a:rPr lang="sk-SK" dirty="0"/>
+              <a:t>ktoré nevybral </a:t>
+            </a:r>
+            <a:r>
+              <a:rPr lang="sk-SK" dirty="0" smtClean="0"/>
+              <a:t>je pridelená </a:t>
+            </a:r>
+            <a:r>
+              <a:rPr lang="sk-SK" dirty="0"/>
+              <a:t>za dané ohodnotenie hodnota </a:t>
+            </a:r>
+            <a:r>
+              <a:rPr lang="sk-SK" dirty="0" smtClean="0"/>
+              <a:t>-0,3.</a:t>
+            </a:r>
+            <a:r>
+              <a:rPr lang="sk-SK" dirty="0"/>
+              <a:t>  </a:t>
+            </a:r>
             <a:endParaRPr lang="sk-SK" dirty="0" smtClean="0"/>
           </a:p>
           <a:p>
-            <a:endParaRPr lang="sk-SK" dirty="0" smtClean="0"/>
+            <a:r>
+              <a:rPr lang="sk-SK" dirty="0" smtClean="0"/>
+              <a:t>Značením </a:t>
+            </a:r>
+            <a:r>
+              <a:rPr lang="sk-SK" dirty="0"/>
+              <a:t>opačného </a:t>
+            </a:r>
+            <a:r>
+              <a:rPr lang="sk-SK" dirty="0" smtClean="0"/>
+              <a:t>poradia chceme </a:t>
+            </a:r>
+            <a:r>
+              <a:rPr lang="sk-SK" dirty="0"/>
+              <a:t>dosiahnuť že bude pravdepodobne silnejší vzťah ak toto </a:t>
+            </a:r>
+            <a:r>
+              <a:rPr lang="sk-SK" dirty="0" smtClean="0"/>
+              <a:t>slovo vybral </a:t>
+            </a:r>
+            <a:r>
+              <a:rPr lang="sk-SK" dirty="0"/>
+              <a:t>ako prvé spomedzi 5 výberov ako </a:t>
+            </a:r>
+            <a:r>
+              <a:rPr lang="sk-SK" dirty="0" smtClean="0"/>
+              <a:t>keď </a:t>
+            </a:r>
+            <a:r>
+              <a:rPr lang="sk-SK" dirty="0"/>
+              <a:t>ho vyberie prvé spomedzi </a:t>
+            </a:r>
+            <a:r>
+              <a:rPr lang="sk-SK" dirty="0" smtClean="0"/>
+              <a:t>3 výberov.</a:t>
+            </a:r>
+          </a:p>
+          <a:p>
+            <a:r>
+              <a:rPr lang="sk-SK" dirty="0" smtClean="0"/>
+              <a:t>Finálne </a:t>
+            </a:r>
+            <a:r>
+              <a:rPr lang="sk-SK" dirty="0"/>
+              <a:t>poradie slov v slovníku následne určíme podľa počtu získaných</a:t>
+            </a:r>
+            <a:br>
+              <a:rPr lang="sk-SK" dirty="0"/>
+            </a:br>
+            <a:r>
+              <a:rPr lang="sk-SK" dirty="0"/>
+              <a:t>vzdialeností na jeden výber</a:t>
+            </a:r>
+            <a:r>
+              <a:rPr lang="sk-SK" dirty="0" smtClean="0"/>
+              <a:t>.</a:t>
+            </a:r>
+            <a:endParaRPr lang="sk-SK" dirty="0"/>
+          </a:p>
+        </p:txBody>
+      </p:sp>
+      <p:pic>
+        <p:nvPicPr>
+          <p:cNvPr id="4" name="Obrázok 3"/>
+          <p:cNvPicPr>
+            <a:picLocks noChangeAspect="1"/>
+          </p:cNvPicPr>
+          <p:nvPr/>
+        </p:nvPicPr>
+        <p:blipFill>
+          <a:blip r:embed="rId3">
+            <a:extLst>
+              <a:ext uri="{28A0092B-C50C-407E-A947-70E740481C1C}">
+                <a14:useLocalDpi xmlns:a14="http://schemas.microsoft.com/office/drawing/2010/main" val="0"/>
+              </a:ext>
+            </a:extLst>
+          </a:blip>
+          <a:stretch>
+            <a:fillRect/>
+          </a:stretch>
+        </p:blipFill>
+        <p:spPr>
+          <a:xfrm>
+            <a:off x="4019359" y="1599989"/>
+            <a:ext cx="4441248" cy="4040414"/>
+          </a:xfrm>
+          <a:prstGeom prst="rect">
+            <a:avLst/>
+          </a:prstGeom>
+        </p:spPr>
+      </p:pic>
+      <p:sp>
+        <p:nvSpPr>
+          <p:cNvPr id="5" name="Obdĺžnik 4"/>
+          <p:cNvSpPr/>
+          <p:nvPr/>
+        </p:nvSpPr>
+        <p:spPr>
+          <a:xfrm>
+            <a:off x="4019359" y="1925053"/>
+            <a:ext cx="4441248" cy="1530416"/>
+          </a:xfrm>
+          <a:prstGeom prst="rect">
+            <a:avLst/>
+          </a:prstGeom>
+          <a:noFill/>
+          <a:ln w="57150">
+            <a:solidFill>
+              <a:srgbClr val="00B050"/>
+            </a:solidFill>
+          </a:ln>
+        </p:spPr>
+        <p:style>
+          <a:lnRef idx="2">
+            <a:schemeClr val="accent4">
+              <a:shade val="50000"/>
+            </a:schemeClr>
+          </a:lnRef>
+          <a:fillRef idx="1">
+            <a:schemeClr val="accent4"/>
+          </a:fillRef>
+          <a:effectRef idx="0">
+            <a:schemeClr val="accent4"/>
+          </a:effectRef>
+          <a:fontRef idx="minor">
+            <a:schemeClr val="lt1"/>
+          </a:fontRef>
+        </p:style>
+        <p:txBody>
+          <a:bodyPr rtlCol="0" anchor="ctr"/>
+          <a:lstStyle/>
+          <a:p>
+            <a:pPr algn="ctr"/>
+            <a:endParaRPr lang="sk-SK"/>
+          </a:p>
+        </p:txBody>
+      </p:sp>
+      <p:sp>
+        <p:nvSpPr>
+          <p:cNvPr id="6" name="Obdĺžnik 5"/>
+          <p:cNvSpPr/>
+          <p:nvPr/>
+        </p:nvSpPr>
+        <p:spPr>
+          <a:xfrm>
+            <a:off x="4019359" y="3455468"/>
+            <a:ext cx="4441248" cy="2184935"/>
+          </a:xfrm>
+          <a:prstGeom prst="rect">
+            <a:avLst/>
+          </a:prstGeom>
+          <a:noFill/>
+          <a:ln w="57150">
+            <a:solidFill>
+              <a:srgbClr val="FF0000"/>
+            </a:solidFill>
+          </a:ln>
+        </p:spPr>
+        <p:style>
+          <a:lnRef idx="2">
+            <a:schemeClr val="accent1">
+              <a:shade val="50000"/>
+            </a:schemeClr>
+          </a:lnRef>
+          <a:fillRef idx="1">
+            <a:schemeClr val="accent1"/>
+          </a:fillRef>
+          <a:effectRef idx="0">
+            <a:schemeClr val="accent1"/>
+          </a:effectRef>
+          <a:fontRef idx="minor">
+            <a:schemeClr val="lt1"/>
+          </a:fontRef>
+        </p:style>
+        <p:txBody>
+          <a:bodyPr rtlCol="0" anchor="ctr"/>
+          <a:lstStyle/>
+          <a:p>
+            <a:pPr algn="ctr"/>
+            <a:endParaRPr lang="sk-SK"/>
           </a:p>
         </p:txBody>
       </p:sp>
     </p:spTree>
     <p:extLst>
       <p:ext uri="{BB962C8B-B14F-4D97-AF65-F5344CB8AC3E}">
-        <p14:creationId xmlns:p14="http://schemas.microsoft.com/office/powerpoint/2010/main" val="1918701713"/>
+        <p14:creationId xmlns:p14="http://schemas.microsoft.com/office/powerpoint/2010/main" val="1521216403"/>
       </p:ext>
     </p:extLst>
   </p:cSld>
@@ -4376,9 +5450,153 @@
   <p:timing>
     <p:tnLst>
       <p:par>
-        <p:cTn id="1" dur="indefinite" restart="never" nodeType="tmRoot"/>
+        <p:cTn id="1" dur="indefinite" restart="never" nodeType="tmRoot">
+          <p:childTnLst>
+            <p:seq concurrent="1" nextAc="seek">
+              <p:cTn id="2" dur="indefinite" nodeType="mainSeq">
+                <p:childTnLst>
+                  <p:par>
+                    <p:cTn id="3" fill="hold">
+                      <p:stCondLst>
+                        <p:cond delay="indefinite"/>
+                      </p:stCondLst>
+                      <p:childTnLst>
+                        <p:par>
+                          <p:cTn id="4" fill="hold">
+                            <p:stCondLst>
+                              <p:cond delay="0"/>
+                            </p:stCondLst>
+                            <p:childTnLst>
+                              <p:par>
+                                <p:cTn id="5" presetID="1" presetClass="entr" presetSubtype="0" fill="hold" nodeType="clickEffect">
+                                  <p:stCondLst>
+                                    <p:cond delay="0"/>
+                                  </p:stCondLst>
+                                  <p:childTnLst>
+                                    <p:set>
+                                      <p:cBhvr>
+                                        <p:cTn id="6" dur="1" fill="hold">
+                                          <p:stCondLst>
+                                            <p:cond delay="0"/>
+                                          </p:stCondLst>
+                                        </p:cTn>
+                                        <p:tgtEl>
+                                          <p:spTgt spid="4"/>
+                                        </p:tgtEl>
+                                        <p:attrNameLst>
+                                          <p:attrName>style.visibility</p:attrName>
+                                        </p:attrNameLst>
+                                      </p:cBhvr>
+                                      <p:to>
+                                        <p:strVal val="visible"/>
+                                      </p:to>
+                                    </p:set>
+                                  </p:childTnLst>
+                                </p:cTn>
+                              </p:par>
+                            </p:childTnLst>
+                          </p:cTn>
+                        </p:par>
+                      </p:childTnLst>
+                    </p:cTn>
+                  </p:par>
+                  <p:par>
+                    <p:cTn id="7" fill="hold">
+                      <p:stCondLst>
+                        <p:cond delay="indefinite"/>
+                      </p:stCondLst>
+                      <p:childTnLst>
+                        <p:par>
+                          <p:cTn id="8" fill="hold">
+                            <p:stCondLst>
+                              <p:cond delay="0"/>
+                            </p:stCondLst>
+                            <p:childTnLst>
+                              <p:par>
+                                <p:cTn id="9" presetID="1" presetClass="entr" presetSubtype="0" fill="hold" grpId="0" nodeType="clickEffect">
+                                  <p:stCondLst>
+                                    <p:cond delay="0"/>
+                                  </p:stCondLst>
+                                  <p:childTnLst>
+                                    <p:set>
+                                      <p:cBhvr>
+                                        <p:cTn id="10" dur="1" fill="hold">
+                                          <p:stCondLst>
+                                            <p:cond delay="0"/>
+                                          </p:stCondLst>
+                                        </p:cTn>
+                                        <p:tgtEl>
+                                          <p:spTgt spid="5"/>
+                                        </p:tgtEl>
+                                        <p:attrNameLst>
+                                          <p:attrName>style.visibility</p:attrName>
+                                        </p:attrNameLst>
+                                      </p:cBhvr>
+                                      <p:to>
+                                        <p:strVal val="visible"/>
+                                      </p:to>
+                                    </p:set>
+                                  </p:childTnLst>
+                                </p:cTn>
+                              </p:par>
+                              <p:par>
+                                <p:cTn id="11" presetID="1" presetClass="entr" presetSubtype="0" fill="hold" grpId="0" nodeType="withEffect">
+                                  <p:stCondLst>
+                                    <p:cond delay="0"/>
+                                  </p:stCondLst>
+                                  <p:childTnLst>
+                                    <p:set>
+                                      <p:cBhvr>
+                                        <p:cTn id="12" dur="1" fill="hold">
+                                          <p:stCondLst>
+                                            <p:cond delay="0"/>
+                                          </p:stCondLst>
+                                        </p:cTn>
+                                        <p:tgtEl>
+                                          <p:spTgt spid="6"/>
+                                        </p:tgtEl>
+                                        <p:attrNameLst>
+                                          <p:attrName>style.visibility</p:attrName>
+                                        </p:attrNameLst>
+                                      </p:cBhvr>
+                                      <p:to>
+                                        <p:strVal val="visible"/>
+                                      </p:to>
+                                    </p:set>
+                                  </p:childTnLst>
+                                </p:cTn>
+                              </p:par>
+                            </p:childTnLst>
+                          </p:cTn>
+                        </p:par>
+                      </p:childTnLst>
+                    </p:cTn>
+                  </p:par>
+                </p:childTnLst>
+              </p:cTn>
+              <p:prevCondLst>
+                <p:cond evt="onPrev" delay="0">
+                  <p:tgtEl>
+                    <p:sldTgt/>
+                  </p:tgtEl>
+                </p:cond>
+              </p:prevCondLst>
+              <p:nextCondLst>
+                <p:cond evt="onNext" delay="0">
+                  <p:tgtEl>
+                    <p:sldTgt/>
+                  </p:tgtEl>
+                </p:cond>
+              </p:nextCondLst>
+            </p:seq>
+          </p:childTnLst>
+        </p:cTn>
       </p:par>
     </p:tnLst>
+    <p:bldLst>
+      <p:bldP spid="5" grpId="0" animBg="1"/>
+      <p:bldP spid="6" grpId="0" animBg="1"/>
+    </p:bldLst>
   </p:timing>
 </p:sld>
 </file>
@@ -4704,4 +5922,265 @@
     </a:ext>
   </a:extLst>
 </a:theme>
+</file>
+
+<file path=ppt/theme/theme2.xml><?xml version="1.0" encoding="utf-8"?>
+<a:theme xmlns:a="http://schemas.openxmlformats.org/drawingml/2006/main" name="Motív balíka Office">
+  <a:themeElements>
+    <a:clrScheme name="Office">
+      <a:dk1>
+        <a:sysClr val="windowText" lastClr="000000"/>
+      </a:dk1>
+      <a:lt1>
+        <a:sysClr val="window" lastClr="FFFFFF"/>
+      </a:lt1>
+      <a:dk2>
+        <a:srgbClr val="44546A"/>
+      </a:dk2>
+      <a:lt2>
+        <a:srgbClr val="E7E6E6"/>
+      </a:lt2>
+      <a:accent1>
+        <a:srgbClr val="5B9BD5"/>
+      </a:accent1>
+      <a:accent2>
+        <a:srgbClr val="ED7D31"/>
+      </a:accent2>
+      <a:accent3>
+        <a:srgbClr val="A5A5A5"/>
+      </a:accent3>
+      <a:accent4>
+        <a:srgbClr val="FFC000"/>
+      </a:accent4>
+      <a:accent5>
+        <a:srgbClr val="4472C4"/>
+      </a:accent5>
+      <a:accent6>
+        <a:srgbClr val="70AD47"/>
+      </a:accent6>
+      <a:hlink>
+        <a:srgbClr val="0563C1"/>
+      </a:hlink>
+      <a:folHlink>
+        <a:srgbClr val="954F72"/>
+      </a:folHlink>
+    </a:clrScheme>
+    <a:fontScheme name="Office">
+      <a:majorFont>
+        <a:latin typeface="Calibri Light" panose="020F0302020204030204"/>
+        <a:ea typeface=""/>
+        <a:cs typeface=""/>
+        <a:font script="Jpan" typeface="游ゴシック Light"/>
+        <a:font script="Hang" typeface="맑은 고딕"/>
+        <a:font script="Hans" typeface="等线 Light"/>
+        <a:font script="Hant" typeface="新細明體"/>
+        <a:font script="Arab" typeface="Times New Roman"/>
+        <a:font script="Hebr" typeface="Times New Roman"/>
+        <a:font script="Thai" typeface="Angsana New"/>
+        <a:font script="Ethi" typeface="Nyala"/>
+        <a:font script="Beng" typeface="Vrinda"/>
+        <a:font script="Gujr" typeface="Shruti"/>
+        <a:font script="Khmr" typeface="MoolBoran"/>
+        <a:font script="Knda" typeface="Tunga"/>
+        <a:font script="Guru" typeface="Raavi"/>
+        <a:font script="Cans" typeface="Euphemia"/>
+        <a:font script="Cher" typeface="Plantagenet Cherokee"/>
+        <a:font script="Yiii" typeface="Microsoft Yi Baiti"/>
+        <a:font script="Tibt" typeface="Microsoft Himalaya"/>
+        <a:font script="Thaa" typeface="MV Boli"/>
+        <a:font script="Deva" typeface="Mangal"/>
+        <a:font script="Telu" typeface="Gautami"/>
+        <a:font script="Taml" typeface="Latha"/>
+        <a:font script="Syrc" typeface="Estrangelo Edessa"/>
+        <a:font script="Orya" typeface="Kalinga"/>
+        <a:font script="Mlym" typeface="Kartika"/>
+        <a:font script="Laoo" typeface="DokChampa"/>
+        <a:font script="Sinh" typeface="Iskoola Pota"/>
+        <a:font script="Mong" typeface="Mongolian Baiti"/>
+        <a:font script="Viet" typeface="Times New Roman"/>
+        <a:font script="Uigh" typeface="Microsoft Uighur"/>
+        <a:font script="Geor" typeface="Sylfaen"/>
+      </a:majorFont>
+      <a:minorFont>
+        <a:latin typeface="Calibri" panose="020F0502020204030204"/>
+        <a:ea typeface=""/>
+        <a:cs typeface=""/>
+        <a:font script="Jpan" typeface="游ゴシック"/>
+        <a:font script="Hang" typeface="맑은 고딕"/>
+        <a:font script="Hans" typeface="等线"/>
+        <a:font script="Hant" typeface="新細明體"/>
+        <a:font script="Arab" typeface="Arial"/>
+        <a:font script="Hebr" typeface="Arial"/>
+        <a:font script="Thai" typeface="Cordia New"/>
+        <a:font script="Ethi" typeface="Nyala"/>
+        <a:font script="Beng" typeface="Vrinda"/>
+        <a:font script="Gujr" typeface="Shruti"/>
+        <a:font script="Khmr" typeface="DaunPenh"/>
+        <a:font script="Knda" typeface="Tunga"/>
+        <a:font script="Guru" typeface="Raavi"/>
+        <a:font script="Cans" typeface="Euphemia"/>
+        <a:font script="Cher" typeface="Plantagenet Cherokee"/>
+        <a:font script="Yiii" typeface="Microsoft Yi Baiti"/>
+        <a:font script="Tibt" typeface="Microsoft Himalaya"/>
+        <a:font script="Thaa" typeface="MV Boli"/>
+        <a:font script="Deva" typeface="Mangal"/>
+        <a:font script="Telu" typeface="Gautami"/>
+        <a:font script="Taml" typeface="Latha"/>
+        <a:font script="Syrc" typeface="Estrangelo Edessa"/>
+        <a:font script="Orya" typeface="Kalinga"/>
+        <a:font script="Mlym" typeface="Kartika"/>
+        <a:font script="Laoo" typeface="DokChampa"/>
+        <a:font script="Sinh" typeface="Iskoola Pota"/>
+        <a:font script="Mong" typeface="Mongolian Baiti"/>
+        <a:font script="Viet" typeface="Arial"/>
+        <a:font script="Uigh" typeface="Microsoft Uighur"/>
+        <a:font script="Geor" typeface="Sylfaen"/>
+      </a:minorFont>
+    </a:fontScheme>
+    <a:fmtScheme name="Office">
+      <a:fillStyleLst>
+        <a:solidFill>
+          <a:schemeClr val="phClr"/>
+        </a:solidFill>
+        <a:gradFill rotWithShape="1">
+          <a:gsLst>
+            <a:gs pos="0">
+              <a:schemeClr val="phClr">
+                <a:lumMod val="110000"/>
+                <a:satMod val="105000"/>
+                <a:tint val="67000"/>
+              </a:schemeClr>
+            </a:gs>
+            <a:gs pos="50000">
+              <a:schemeClr val="phClr">
+                <a:lumMod val="105000"/>
+                <a:satMod val="103000"/>
+                <a:tint val="73000"/>
+              </a:schemeClr>
+            </a:gs>
+            <a:gs pos="100000">
+              <a:schemeClr val="phClr">
+                <a:lumMod val="105000"/>
+                <a:satMod val="109000"/>
+                <a:tint val="81000"/>
+              </a:schemeClr>
+            </a:gs>
+          </a:gsLst>
+          <a:lin ang="5400000" scaled="0"/>
+        </a:gradFill>
+        <a:gradFill rotWithShape="1">
+          <a:gsLst>
+            <a:gs pos="0">
+              <a:schemeClr val="phClr">
+                <a:satMod val="103000"/>
+                <a:lumMod val="102000"/>
+                <a:tint val="94000"/>
+              </a:schemeClr>
+            </a:gs>
+            <a:gs pos="50000">
+              <a:schemeClr val="phClr">
+                <a:satMod val="110000"/>
+                <a:lumMod val="100000"/>
+                <a:shade val="100000"/>
+              </a:schemeClr>
+            </a:gs>
+            <a:gs pos="100000">
+              <a:schemeClr val="phClr">
+                <a:lumMod val="99000"/>
+                <a:satMod val="120000"/>
+                <a:shade val="78000"/>
+              </a:schemeClr>
+            </a:gs>
+          </a:gsLst>
+          <a:lin ang="5400000" scaled="0"/>
+        </a:gradFill>
+      </a:fillStyleLst>
+      <a:lnStyleLst>
+        <a:ln w="6350" cap="flat" cmpd="sng" algn="ctr">
+          <a:solidFill>
+            <a:schemeClr val="phClr"/>
+          </a:solidFill>
+          <a:prstDash val="solid"/>
+          <a:miter lim="800000"/>
+        </a:ln>
+        <a:ln w="12700" cap="flat" cmpd="sng" algn="ctr">
+          <a:solidFill>
+            <a:schemeClr val="phClr"/>
+          </a:solidFill>
+          <a:prstDash val="solid"/>
+          <a:miter lim="800000"/>
+        </a:ln>
+        <a:ln w="19050" cap="flat" cmpd="sng" algn="ctr">
+          <a:solidFill>
+            <a:schemeClr val="phClr"/>
+          </a:solidFill>
+          <a:prstDash val="solid"/>
+          <a:miter lim="800000"/>
+        </a:ln>
+      </a:lnStyleLst>
+      <a:effectStyleLst>
+        <a:effectStyle>
+          <a:effectLst/>
+        </a:effectStyle>
+        <a:effectStyle>
+          <a:effectLst/>
+        </a:effectStyle>
+        <a:effectStyle>
+          <a:effectLst>
+            <a:outerShdw blurRad="57150" dist="19050" dir="5400000" algn="ctr" rotWithShape="0">
+              <a:srgbClr val="000000">
+                <a:alpha val="63000"/>
+              </a:srgbClr>
+            </a:outerShdw>
+          </a:effectLst>
+        </a:effectStyle>
+      </a:effectStyleLst>
+      <a:bgFillStyleLst>
+        <a:solidFill>
+          <a:schemeClr val="phClr"/>
+        </a:solidFill>
+        <a:solidFill>
+          <a:schemeClr val="phClr">
+            <a:tint val="95000"/>
+            <a:satMod val="170000"/>
+          </a:schemeClr>
+        </a:solidFill>
+        <a:gradFill rotWithShape="1">
+          <a:gsLst>
+            <a:gs pos="0">
+              <a:schemeClr val="phClr">
+                <a:tint val="93000"/>
+                <a:satMod val="150000"/>
+                <a:shade val="98000"/>
+                <a:lumMod val="102000"/>
+              </a:schemeClr>
+            </a:gs>
+            <a:gs pos="50000">
+              <a:schemeClr val="phClr">
+                <a:tint val="98000"/>
+                <a:satMod val="130000"/>
+                <a:shade val="90000"/>
+                <a:lumMod val="103000"/>
+              </a:schemeClr>
+            </a:gs>
+            <a:gs pos="100000">
+              <a:schemeClr val="phClr">
+                <a:shade val="63000"/>
+                <a:satMod val="120000"/>
+              </a:schemeClr>
+            </a:gs>
+          </a:gsLst>
+          <a:lin ang="5400000" scaled="0"/>
+        </a:gradFill>
+      </a:bgFillStyleLst>
+    </a:fmtScheme>
+  </a:themeElements>
+  <a:objectDefaults/>
+  <a:extraClrSchemeLst/>
+  <a:extLst>
+    <a:ext uri="{05A4C25C-085E-4340-85A3-A5531E510DB2}">
+      <thm15:themeFamily xmlns:thm15="http://schemas.microsoft.com/office/thememl/2012/main" name="Office Theme" id="{62F939B6-93AF-4DB8-9C6B-D6C7DFDC589F}" vid="{4A3C46E8-61CC-4603-A589-7422A47A8E4A}"/>
+    </a:ext>
+  </a:extLst>
+</a:theme>
 </file>
--- a/Práca/Budovanie slovníkov pomocou hier s účelom.pptx
+++ b/Práca/Budovanie slovníkov pomocou hier s účelom.pptx
@@ -202,7 +202,7 @@
           <a:p>
             <a:fld id="{2DA509E6-8E00-4DAA-B17B-75A5EB0A3C7F}" type="datetimeFigureOut">
               <a:rPr lang="sk-SK" smtClean="0"/>
-              <a:t>1. 4. 2019</a:t>
+              <a:t>8. 4. 2019</a:t>
             </a:fld>
             <a:endParaRPr lang="sk-SK"/>
           </a:p>
@@ -514,10 +514,6 @@
           <a:bodyPr/>
           <a:lstStyle/>
           <a:p>
-            <a:r>
-              <a:rPr lang="sk-SK" dirty="0" smtClean="0"/>
-              <a:t>-herne prvky spríjemňujú hru a robia ju atraktívnou</a:t>
-            </a:r>
             <a:endParaRPr lang="sk-SK" dirty="0"/>
           </a:p>
         </p:txBody>
@@ -1004,7 +1000,7 @@
           <a:p>
             <a:fld id="{4AAD347D-5ACD-4C99-B74B-A9C85AD731AF}" type="datetimeFigureOut">
               <a:rPr lang="en-US" smtClean="0"/>
-              <a:t>4/1/2019</a:t>
+              <a:t>4/8/2019</a:t>
             </a:fld>
             <a:endParaRPr lang="en-US" dirty="0"/>
           </a:p>
@@ -1334,7 +1330,7 @@
           <a:p>
             <a:fld id="{4509A250-FF31-4206-8172-F9D3106AACB1}" type="datetimeFigureOut">
               <a:rPr lang="en-US" smtClean="0"/>
-              <a:t>4/1/2019</a:t>
+              <a:t>4/8/2019</a:t>
             </a:fld>
             <a:endParaRPr lang="en-US" dirty="0"/>
           </a:p>
@@ -1514,7 +1510,7 @@
           <a:p>
             <a:fld id="{4509A250-FF31-4206-8172-F9D3106AACB1}" type="datetimeFigureOut">
               <a:rPr lang="en-US" smtClean="0"/>
-              <a:t>4/1/2019</a:t>
+              <a:t>4/8/2019</a:t>
             </a:fld>
             <a:endParaRPr lang="en-US" dirty="0"/>
           </a:p>
@@ -1684,7 +1680,7 @@
           <a:p>
             <a:fld id="{4509A250-FF31-4206-8172-F9D3106AACB1}" type="datetimeFigureOut">
               <a:rPr lang="en-US" smtClean="0"/>
-              <a:t>4/1/2019</a:t>
+              <a:t>4/8/2019</a:t>
             </a:fld>
             <a:endParaRPr lang="en-US" dirty="0"/>
           </a:p>
@@ -1961,7 +1957,7 @@
           <a:p>
             <a:fld id="{9796027F-7875-4030-9381-8BD8C4F21935}" type="datetimeFigureOut">
               <a:rPr lang="en-US" smtClean="0"/>
-              <a:t>4/1/2019</a:t>
+              <a:t>4/8/2019</a:t>
             </a:fld>
             <a:endParaRPr lang="en-US" dirty="0"/>
           </a:p>
@@ -2355,7 +2351,7 @@
           <a:p>
             <a:fld id="{9796027F-7875-4030-9381-8BD8C4F21935}" type="datetimeFigureOut">
               <a:rPr lang="en-US" smtClean="0"/>
-              <a:t>4/1/2019</a:t>
+              <a:t>4/8/2019</a:t>
             </a:fld>
             <a:endParaRPr lang="en-US" dirty="0"/>
           </a:p>
@@ -2837,7 +2833,7 @@
           <a:p>
             <a:fld id="{9796027F-7875-4030-9381-8BD8C4F21935}" type="datetimeFigureOut">
               <a:rPr lang="en-US" smtClean="0"/>
-              <a:t>4/1/2019</a:t>
+              <a:t>4/8/2019</a:t>
             </a:fld>
             <a:endParaRPr lang="en-US" dirty="0"/>
           </a:p>
@@ -2960,7 +2956,7 @@
           <a:p>
             <a:fld id="{4509A250-FF31-4206-8172-F9D3106AACB1}" type="datetimeFigureOut">
               <a:rPr lang="en-US" smtClean="0"/>
-              <a:t>4/1/2019</a:t>
+              <a:t>4/8/2019</a:t>
             </a:fld>
             <a:endParaRPr lang="en-US" dirty="0"/>
           </a:p>
@@ -3055,7 +3051,7 @@
           <a:p>
             <a:fld id="{4509A250-FF31-4206-8172-F9D3106AACB1}" type="datetimeFigureOut">
               <a:rPr lang="en-US" smtClean="0"/>
-              <a:t>4/1/2019</a:t>
+              <a:t>4/8/2019</a:t>
             </a:fld>
             <a:endParaRPr lang="en-US" dirty="0"/>
           </a:p>
@@ -3401,7 +3397,7 @@
           <a:p>
             <a:fld id="{4509A250-FF31-4206-8172-F9D3106AACB1}" type="datetimeFigureOut">
               <a:rPr lang="en-US" smtClean="0"/>
-              <a:t>4/1/2019</a:t>
+              <a:t>4/8/2019</a:t>
             </a:fld>
             <a:endParaRPr lang="en-US" dirty="0"/>
           </a:p>
@@ -3794,7 +3790,7 @@
           <a:p>
             <a:fld id="{4509A250-FF31-4206-8172-F9D3106AACB1}" type="datetimeFigureOut">
               <a:rPr lang="en-US" smtClean="0"/>
-              <a:t>4/1/2019</a:t>
+              <a:t>4/8/2019</a:t>
             </a:fld>
             <a:endParaRPr lang="en-US" dirty="0"/>
           </a:p>
@@ -4072,7 +4068,7 @@
           <a:p>
             <a:fld id="{4AAD347D-5ACD-4C99-B74B-A9C85AD731AF}" type="datetimeFigureOut">
               <a:rPr lang="en-US" smtClean="0"/>
-              <a:t>4/1/2019</a:t>
+              <a:t>4/8/2019</a:t>
             </a:fld>
             <a:endParaRPr lang="en-US" dirty="0"/>
           </a:p>
@@ -4842,11 +4838,7 @@
             </a:r>
             <a:r>
               <a:rPr lang="sk-SK" dirty="0" smtClean="0"/>
-              <a:t>bolo</a:t>
-            </a:r>
-            <a:r>
-              <a:rPr lang="sk-SK" dirty="0" smtClean="0"/>
-              <a:t> </a:t>
+              <a:t>bolo </a:t>
             </a:r>
             <a:r>
               <a:rPr lang="sk-SK" dirty="0"/>
